--- a/Lectures/Week_5/CSE 599V Lecture 11 - Modeling Workflow .pptx
+++ b/Lectures/Week_5/CSE 599V Lecture 11 - Modeling Workflow .pptx
@@ -292,7 +292,7 @@
               <a:pPr>
                 <a:defRPr/>
               </a:pPr>
-              <a:t>10/26/18</a:t>
+              <a:t>10/30/18</a:t>
             </a:fld>
             <a:endParaRPr lang="en-US" altLang="x-none"/>
           </a:p>
@@ -501,7 +501,7 @@
               <a:pPr>
                 <a:defRPr/>
               </a:pPr>
-              <a:t>10/26/18</a:t>
+              <a:t>10/30/18</a:t>
             </a:fld>
             <a:endParaRPr lang="en-US" altLang="x-none"/>
           </a:p>
@@ -5195,34 +5195,6 @@
       </p:grpSpPr>
       <p:sp>
         <p:nvSpPr>
-          <p:cNvPr id="2" name="Title 1">
-            <a:extLst>
-              <a:ext uri="{FF2B5EF4-FFF2-40B4-BE49-F238E27FC236}">
-                <a16:creationId xmlns:a16="http://schemas.microsoft.com/office/drawing/2014/main" id="{C6756F8C-9415-6848-9063-74C469885550}"/>
-              </a:ext>
-            </a:extLst>
-          </p:cNvPr>
-          <p:cNvSpPr>
-            <a:spLocks noGrp="1"/>
-          </p:cNvSpPr>
-          <p:nvPr>
-            <p:ph type="title"/>
-          </p:nvPr>
-        </p:nvSpPr>
-        <p:spPr/>
-        <p:txBody>
-          <a:bodyPr/>
-          <a:lstStyle/>
-          <a:p>
-            <a:r>
-              <a:rPr lang="en-US" sz="2800" dirty="0"/>
-              <a:t>Exercise: Fitting a Simulation Model: Part 4</a:t>
-            </a:r>
-          </a:p>
-        </p:txBody>
-      </p:sp>
-      <p:sp>
-        <p:nvSpPr>
           <p:cNvPr id="3" name="Slide Number Placeholder 2">
             <a:extLst>
               <a:ext uri="{FF2B5EF4-FFF2-40B4-BE49-F238E27FC236}">
@@ -5272,7 +5244,7 @@
             </p:nvSpPr>
             <p:spPr>
               <a:xfrm>
-                <a:off x="457200" y="1143000"/>
+                <a:off x="457200" y="2673192"/>
                 <a:ext cx="2667000" cy="2677656"/>
               </a:xfrm>
               <a:prstGeom prst="rect">
@@ -5570,7 +5542,7 @@
             </p:nvSpPr>
             <p:spPr>
               <a:xfrm>
-                <a:off x="457200" y="1143000"/>
+                <a:off x="457200" y="2673192"/>
                 <a:ext cx="2667000" cy="2677656"/>
               </a:xfrm>
               <a:prstGeom prst="rect">
@@ -5579,7 +5551,7 @@
               <a:blipFill>
                 <a:blip r:embed="rId2"/>
                 <a:stretch>
-                  <a:fillRect l="-3810" t="-1887"/>
+                  <a:fillRect l="-3810" t="-1415"/>
                 </a:stretch>
               </a:blipFill>
             </p:spPr>
@@ -5612,8 +5584,8 @@
         </p:nvSpPr>
         <p:spPr>
           <a:xfrm>
-            <a:off x="3429000" y="2462748"/>
-            <a:ext cx="4800600" cy="1569660"/>
+            <a:off x="3429000" y="3992940"/>
+            <a:ext cx="4800600" cy="1200329"/>
           </a:xfrm>
           <a:prstGeom prst="rect">
             <a:avLst/>
@@ -5627,8 +5599,40 @@
           <a:lstStyle/>
           <a:p>
             <a:r>
+              <a:rPr lang="en-US" sz="2400"/>
+              <a:t>Extend by </a:t>
+            </a:r>
+            <a:r>
               <a:rPr lang="en-US" sz="2400" dirty="0"/>
-              <a:t>Extend Part 3 by using bootstrapping to estimate the variability of the model parameters.</a:t>
+              <a:t>using bootstrapping to estimate the variability of the model parameters.</a:t>
+            </a:r>
+          </a:p>
+        </p:txBody>
+      </p:sp>
+      <p:sp>
+        <p:nvSpPr>
+          <p:cNvPr id="9" name="Title 1">
+            <a:extLst>
+              <a:ext uri="{FF2B5EF4-FFF2-40B4-BE49-F238E27FC236}">
+                <a16:creationId xmlns:a16="http://schemas.microsoft.com/office/drawing/2014/main" id="{7460D324-9572-BA47-84BF-A46A6697FDD3}"/>
+              </a:ext>
+            </a:extLst>
+          </p:cNvPr>
+          <p:cNvSpPr>
+            <a:spLocks noGrp="1"/>
+          </p:cNvSpPr>
+          <p:nvPr>
+            <p:ph type="title"/>
+          </p:nvPr>
+        </p:nvSpPr>
+        <p:spPr/>
+        <p:txBody>
+          <a:bodyPr/>
+          <a:lstStyle/>
+          <a:p>
+            <a:r>
+              <a:rPr lang="en-US" sz="2800" dirty="0"/>
+              <a:t>Exercise: Fitting a Simulation Model With Multiple Concentrations and Evaluation Using Cross Validation and Estimate Parameter Variability Using Bootstrapping</a:t>
             </a:r>
           </a:p>
         </p:txBody>
@@ -8175,7 +8179,7 @@
           <a:p>
             <a:r>
               <a:rPr lang="en-US" sz="2800" dirty="0"/>
-              <a:t>Exercise: Fitting a Simulation Model: Part 1</a:t>
+              <a:t>Exercise: Fitting a Simulation Model</a:t>
             </a:r>
           </a:p>
         </p:txBody>
@@ -8215,8 +8219,8 @@
           </a:p>
         </p:txBody>
       </p:sp>
-      <mc:AlternateContent xmlns:mc="http://schemas.openxmlformats.org/markup-compatibility/2006">
-        <mc:Choice xmlns:a14="http://schemas.microsoft.com/office/drawing/2010/main" Requires="a14">
+      <mc:AlternateContent xmlns:mc="http://schemas.openxmlformats.org/markup-compatibility/2006" xmlns:a14="http://schemas.microsoft.com/office/drawing/2010/main">
+        <mc:Choice Requires="a14">
           <p:sp>
             <p:nvSpPr>
               <p:cNvPr id="4" name="TextBox 3">
@@ -8689,7 +8693,7 @@
             </p:txBody>
           </p:sp>
         </mc:Choice>
-        <mc:Fallback>
+        <mc:Fallback xmlns="">
           <p:sp>
             <p:nvSpPr>
               <p:cNvPr id="4" name="TextBox 3">
@@ -8734,8 +8738,8 @@
           </p:sp>
         </mc:Fallback>
       </mc:AlternateContent>
-      <mc:AlternateContent xmlns:mc="http://schemas.openxmlformats.org/markup-compatibility/2006">
-        <mc:Choice xmlns:a14="http://schemas.microsoft.com/office/drawing/2010/main" Requires="a14">
+      <mc:AlternateContent xmlns:mc="http://schemas.openxmlformats.org/markup-compatibility/2006" xmlns:a14="http://schemas.microsoft.com/office/drawing/2010/main">
+        <mc:Choice Requires="a14">
           <p:sp>
             <p:nvSpPr>
               <p:cNvPr id="6" name="TextBox 5">
@@ -8817,7 +8821,7 @@
             </p:txBody>
           </p:sp>
         </mc:Choice>
-        <mc:Fallback>
+        <mc:Fallback xmlns="">
           <p:sp>
             <p:nvSpPr>
               <p:cNvPr id="6" name="TextBox 5">
@@ -8915,8 +8919,13 @@
           <a:p>
             <a:r>
               <a:rPr lang="en-US" sz="2800" dirty="0"/>
-              <a:t>Exercise: Fitting a Simulation Model: Part 2</a:t>
-            </a:r>
+              <a:t>Exercise: Fitting a Simulation Model With Multiple </a:t>
+            </a:r>
+            <a:r>
+              <a:rPr lang="en-US" sz="2800" dirty="0" err="1"/>
+              <a:t>Conceptrations</a:t>
+            </a:r>
+            <a:endParaRPr lang="en-US" sz="2800" dirty="0"/>
           </a:p>
         </p:txBody>
       </p:sp>
@@ -8955,8 +8964,8 @@
           </a:p>
         </p:txBody>
       </p:sp>
-      <mc:AlternateContent xmlns:mc="http://schemas.openxmlformats.org/markup-compatibility/2006">
-        <mc:Choice xmlns:a14="http://schemas.microsoft.com/office/drawing/2010/main" Requires="a14">
+      <mc:AlternateContent xmlns:mc="http://schemas.openxmlformats.org/markup-compatibility/2006" xmlns:a14="http://schemas.microsoft.com/office/drawing/2010/main">
+        <mc:Choice Requires="a14">
           <p:sp>
             <p:nvSpPr>
               <p:cNvPr id="4" name="TextBox 3">
@@ -9247,7 +9256,6 @@
                 <a:endParaRPr lang="en-US" sz="2400" dirty="0"/>
               </a:p>
               <a:p>
-                <a:pPr/>
                 <a:endParaRPr lang="en-US" sz="2400" dirty="0"/>
               </a:p>
               <a:p>
@@ -9256,7 +9264,7 @@
             </p:txBody>
           </p:sp>
         </mc:Choice>
-        <mc:Fallback>
+        <mc:Fallback xmlns="">
           <p:sp>
             <p:nvSpPr>
               <p:cNvPr id="4" name="TextBox 3">
@@ -9301,8 +9309,8 @@
           </p:sp>
         </mc:Fallback>
       </mc:AlternateContent>
-      <mc:AlternateContent xmlns:mc="http://schemas.openxmlformats.org/markup-compatibility/2006">
-        <mc:Choice xmlns:a14="http://schemas.microsoft.com/office/drawing/2010/main" Requires="a14">
+      <mc:AlternateContent xmlns:mc="http://schemas.openxmlformats.org/markup-compatibility/2006" xmlns:a14="http://schemas.microsoft.com/office/drawing/2010/main">
+        <mc:Choice Requires="a14">
           <p:sp>
             <p:nvSpPr>
               <p:cNvPr id="6" name="TextBox 5">
@@ -9384,7 +9392,7 @@
             </p:txBody>
           </p:sp>
         </mc:Choice>
-        <mc:Fallback>
+        <mc:Fallback xmlns="">
           <p:sp>
             <p:nvSpPr>
               <p:cNvPr id="6" name="TextBox 5">
@@ -9482,7 +9490,7 @@
           <a:p>
             <a:r>
               <a:rPr lang="en-US" sz="2800" dirty="0"/>
-              <a:t>Exercise: Fitting a Simulation Model: Part 3</a:t>
+              <a:t>Exercise: Fitting a Simulation Model With Multiple Concentrations and Evaluation Using Cross Validation</a:t>
             </a:r>
           </a:p>
         </p:txBody>
@@ -9522,8 +9530,8 @@
           </a:p>
         </p:txBody>
       </p:sp>
-      <mc:AlternateContent xmlns:mc="http://schemas.openxmlformats.org/markup-compatibility/2006">
-        <mc:Choice xmlns:a14="http://schemas.microsoft.com/office/drawing/2010/main" Requires="a14">
+      <mc:AlternateContent xmlns:mc="http://schemas.openxmlformats.org/markup-compatibility/2006" xmlns:a14="http://schemas.microsoft.com/office/drawing/2010/main">
+        <mc:Choice Requires="a14">
           <p:sp>
             <p:nvSpPr>
               <p:cNvPr id="4" name="TextBox 3">
@@ -9819,7 +9827,7 @@
             </p:txBody>
           </p:sp>
         </mc:Choice>
-        <mc:Fallback>
+        <mc:Fallback xmlns="">
           <p:sp>
             <p:nvSpPr>
               <p:cNvPr id="4" name="TextBox 3">
@@ -9894,7 +9902,7 @@
           <a:p>
             <a:r>
               <a:rPr lang="en-US" sz="2400" dirty="0"/>
-              <a:t>Extend Part 2 by using cross validation to evaluate the model quality.</a:t>
+              <a:t>Extend the last exercise by using cross validation to evaluate the model quality.</a:t>
             </a:r>
           </a:p>
         </p:txBody>
